--- a/Ingreedy.pptx
+++ b/Ingreedy.pptx
@@ -8,8 +8,13 @@
     <p:sldId id="256" r:id="rId2"/>
     <p:sldId id="257" r:id="rId3"/>
     <p:sldId id="259" r:id="rId4"/>
-    <p:sldId id="260" r:id="rId5"/>
-    <p:sldId id="261" r:id="rId6"/>
+    <p:sldId id="262" r:id="rId5"/>
+    <p:sldId id="264" r:id="rId6"/>
+    <p:sldId id="266" r:id="rId7"/>
+    <p:sldId id="263" r:id="rId8"/>
+    <p:sldId id="265" r:id="rId9"/>
+    <p:sldId id="260" r:id="rId10"/>
+    <p:sldId id="261" r:id="rId11"/>
   </p:sldIdLst>
   <p:sldSz cx="12192000" cy="6858000"/>
   <p:notesSz cx="6858000" cy="9144000"/>
@@ -108,6 +113,11 @@
       </a:defRPr>
     </a:lvl9pPr>
   </p:defaultTextStyle>
+  <p:extLst>
+    <p:ext uri="{EFAFB233-063F-42B5-8137-9DF3F51BA10A}">
+      <p15:sldGuideLst xmlns:p15="http://schemas.microsoft.com/office/powerpoint/2012/main"/>
+    </p:ext>
+  </p:extLst>
 </p:presentation>
 </file>
 
@@ -263,7 +273,7 @@
           <a:p>
             <a:fld id="{81B8F32D-D8B6-4B9E-9CBF-DCAC30B7B93D}" type="datetimeFigureOut">
               <a:rPr lang="en-US" smtClean="0"/>
-              <a:t>3/2/2024</a:t>
+              <a:t>3/3/2024</a:t>
             </a:fld>
             <a:endParaRPr lang="en-US"/>
           </a:p>
@@ -579,7 +589,7 @@
           <a:p>
             <a:fld id="{81B8F32D-D8B6-4B9E-9CBF-DCAC30B7B93D}" type="datetimeFigureOut">
               <a:rPr lang="en-US" smtClean="0"/>
-              <a:t>3/2/2024</a:t>
+              <a:t>3/3/2024</a:t>
             </a:fld>
             <a:endParaRPr lang="en-US"/>
           </a:p>
@@ -884,7 +894,7 @@
           <a:p>
             <a:fld id="{81B8F32D-D8B6-4B9E-9CBF-DCAC30B7B93D}" type="datetimeFigureOut">
               <a:rPr lang="en-US" smtClean="0"/>
-              <a:t>3/2/2024</a:t>
+              <a:t>3/3/2024</a:t>
             </a:fld>
             <a:endParaRPr lang="en-US"/>
           </a:p>
@@ -1091,7 +1101,7 @@
           <a:p>
             <a:fld id="{81B8F32D-D8B6-4B9E-9CBF-DCAC30B7B93D}" type="datetimeFigureOut">
               <a:rPr lang="en-US" smtClean="0"/>
-              <a:t>3/2/2024</a:t>
+              <a:t>3/3/2024</a:t>
             </a:fld>
             <a:endParaRPr lang="en-US"/>
           </a:p>
@@ -1439,7 +1449,7 @@
           <a:p>
             <a:fld id="{81B8F32D-D8B6-4B9E-9CBF-DCAC30B7B93D}" type="datetimeFigureOut">
               <a:rPr lang="en-US" smtClean="0"/>
-              <a:t>3/2/2024</a:t>
+              <a:t>3/3/2024</a:t>
             </a:fld>
             <a:endParaRPr lang="en-US"/>
           </a:p>
@@ -1910,7 +1920,7 @@
           <a:p>
             <a:fld id="{81B8F32D-D8B6-4B9E-9CBF-DCAC30B7B93D}" type="datetimeFigureOut">
               <a:rPr lang="en-US" smtClean="0"/>
-              <a:t>3/2/2024</a:t>
+              <a:t>3/3/2024</a:t>
             </a:fld>
             <a:endParaRPr lang="en-US"/>
           </a:p>
@@ -2445,7 +2455,7 @@
           <a:p>
             <a:fld id="{81B8F32D-D8B6-4B9E-9CBF-DCAC30B7B93D}" type="datetimeFigureOut">
               <a:rPr lang="en-US" smtClean="0"/>
-              <a:t>3/2/2024</a:t>
+              <a:t>3/3/2024</a:t>
             </a:fld>
             <a:endParaRPr lang="en-US"/>
           </a:p>
@@ -2662,7 +2672,7 @@
           <a:p>
             <a:fld id="{81B8F32D-D8B6-4B9E-9CBF-DCAC30B7B93D}" type="datetimeFigureOut">
               <a:rPr lang="en-US" smtClean="0"/>
-              <a:t>3/2/2024</a:t>
+              <a:t>3/3/2024</a:t>
             </a:fld>
             <a:endParaRPr lang="en-US"/>
           </a:p>
@@ -2867,7 +2877,7 @@
           <a:p>
             <a:fld id="{81B8F32D-D8B6-4B9E-9CBF-DCAC30B7B93D}" type="datetimeFigureOut">
               <a:rPr lang="en-US" smtClean="0"/>
-              <a:t>3/2/2024</a:t>
+              <a:t>3/3/2024</a:t>
             </a:fld>
             <a:endParaRPr lang="en-US"/>
           </a:p>
@@ -3197,7 +3207,7 @@
           <a:p>
             <a:fld id="{81B8F32D-D8B6-4B9E-9CBF-DCAC30B7B93D}" type="datetimeFigureOut">
               <a:rPr lang="en-US" smtClean="0"/>
-              <a:t>3/2/2024</a:t>
+              <a:t>3/3/2024</a:t>
             </a:fld>
             <a:endParaRPr lang="en-US"/>
           </a:p>
@@ -3507,7 +3517,7 @@
           <a:p>
             <a:fld id="{81B8F32D-D8B6-4B9E-9CBF-DCAC30B7B93D}" type="datetimeFigureOut">
               <a:rPr lang="en-US" smtClean="0"/>
-              <a:t>3/2/2024</a:t>
+              <a:t>3/3/2024</a:t>
             </a:fld>
             <a:endParaRPr lang="en-US"/>
           </a:p>
@@ -3748,7 +3758,7 @@
             <a:fld id="{81B8F32D-D8B6-4B9E-9CBF-DCAC30B7B93D}" type="datetimeFigureOut">
               <a:rPr lang="en-US" smtClean="0"/>
               <a:pPr/>
-              <a:t>3/2/2024</a:t>
+              <a:t>3/3/2024</a:t>
             </a:fld>
             <a:endParaRPr lang="en-US" dirty="0"/>
           </a:p>
@@ -4460,7 +4470,7 @@
           <a:lstStyle/>
           <a:p>
             <a:r>
-              <a:rPr lang="en-GB" sz="8000">
+              <a:rPr lang="en-GB" sz="8000" dirty="0" err="1">
                 <a:solidFill>
                   <a:srgbClr val="FFFFFF"/>
                 </a:solidFill>
@@ -4469,7 +4479,7 @@
               <a:t>Ingreedy</a:t>
             </a:r>
             <a:r>
-              <a:rPr lang="en-GB" sz="8000">
+              <a:rPr lang="en-GB" sz="8000" dirty="0">
                 <a:solidFill>
                   <a:srgbClr val="FFFFFF"/>
                 </a:solidFill>
@@ -4508,18 +4518,13 @@
           <a:lstStyle/>
           <a:p>
             <a:r>
-              <a:rPr lang="en-GB">
+              <a:rPr lang="en-GB" dirty="0">
                 <a:solidFill>
                   <a:srgbClr val="FFFFFF"/>
                 </a:solidFill>
               </a:rPr>
-              <a:t>The personal sue-chef for leftover ingredients </a:t>
-            </a:r>
-            <a:endParaRPr lang="en-GB" dirty="0">
-              <a:solidFill>
-                <a:srgbClr val="FFFFFF"/>
-              </a:solidFill>
-            </a:endParaRPr>
+              <a:t>The personal sous-chef for leftover ingredients </a:t>
+            </a:r>
           </a:p>
         </p:txBody>
       </p:sp>
@@ -4831,6 +4836,396 @@
 </p:sld>
 </file>
 
+<file path=ppt/slides/slide10.xml><?xml version="1.0" encoding="utf-8"?>
+<p:sld xmlns:a="http://schemas.openxmlformats.org/drawingml/2006/main" xmlns:r="http://schemas.openxmlformats.org/officeDocument/2006/relationships" xmlns:p="http://schemas.openxmlformats.org/presentationml/2006/main">
+  <p:cSld>
+    <p:bg>
+      <p:bgPr>
+        <a:solidFill>
+          <a:schemeClr val="bg1"/>
+        </a:solidFill>
+        <a:effectLst/>
+      </p:bgPr>
+    </p:bg>
+    <p:spTree>
+      <p:nvGrpSpPr>
+        <p:cNvPr id="1" name="">
+          <a:extLst>
+            <a:ext uri="{FF2B5EF4-FFF2-40B4-BE49-F238E27FC236}">
+              <a16:creationId xmlns:a16="http://schemas.microsoft.com/office/drawing/2014/main" id="{037B77A8-CE8A-287D-E2BC-0DD9FC40D1FF}"/>
+            </a:ext>
+          </a:extLst>
+        </p:cNvPr>
+        <p:cNvGrpSpPr/>
+        <p:nvPr/>
+      </p:nvGrpSpPr>
+      <p:grpSpPr>
+        <a:xfrm>
+          <a:off x="0" y="0"/>
+          <a:ext cx="0" cy="0"/>
+          <a:chOff x="0" y="0"/>
+          <a:chExt cx="0" cy="0"/>
+        </a:xfrm>
+      </p:grpSpPr>
+      <p:sp useBgFill="1">
+        <p:nvSpPr>
+          <p:cNvPr id="9" name="Rectangle 8">
+            <a:extLst>
+              <a:ext uri="{FF2B5EF4-FFF2-40B4-BE49-F238E27FC236}">
+                <a16:creationId xmlns:a16="http://schemas.microsoft.com/office/drawing/2014/main" id="{97D00621-2BFB-D51F-A62D-90ACFB01E57C}"/>
+              </a:ext>
+              <a:ext uri="{C183D7F6-B498-43B3-948B-1728B52AA6E4}">
+                <adec:decorative xmlns:adec="http://schemas.microsoft.com/office/drawing/2017/decorative" val="1"/>
+              </a:ext>
+            </a:extLst>
+          </p:cNvPr>
+          <p:cNvSpPr>
+            <a:spLocks noGrp="1" noRot="1" noChangeAspect="1" noMove="1" noResize="1" noEditPoints="1" noAdjustHandles="1" noChangeArrowheads="1" noChangeShapeType="1" noTextEdit="1"/>
+          </p:cNvSpPr>
+          <p:nvPr>
+            <p:extLst>
+              <p:ext uri="{386F3935-93C4-4BCD-93E2-E3B085C9AB24}">
+                <p16:designElem xmlns:p16="http://schemas.microsoft.com/office/powerpoint/2015/main" val="1"/>
+              </p:ext>
+            </p:extLst>
+          </p:nvPr>
+        </p:nvSpPr>
+        <p:spPr>
+          <a:xfrm>
+            <a:off x="0" y="-1"/>
+            <a:ext cx="12192000" cy="6858001"/>
+          </a:xfrm>
+          <a:prstGeom prst="rect">
+            <a:avLst/>
+          </a:prstGeom>
+          <a:ln>
+            <a:noFill/>
+          </a:ln>
+        </p:spPr>
+        <p:style>
+          <a:lnRef idx="2">
+            <a:schemeClr val="accent1">
+              <a:shade val="50000"/>
+            </a:schemeClr>
+          </a:lnRef>
+          <a:fillRef idx="1">
+            <a:schemeClr val="accent1"/>
+          </a:fillRef>
+          <a:effectRef idx="0">
+            <a:schemeClr val="accent1"/>
+          </a:effectRef>
+          <a:fontRef idx="minor">
+            <a:schemeClr val="lt1"/>
+          </a:fontRef>
+        </p:style>
+        <p:txBody>
+          <a:bodyPr rtlCol="0" anchor="ctr"/>
+          <a:lstStyle/>
+          <a:p>
+            <a:pPr algn="ctr"/>
+            <a:endParaRPr lang="en-US"/>
+          </a:p>
+        </p:txBody>
+      </p:sp>
+      <p:sp>
+        <p:nvSpPr>
+          <p:cNvPr id="11" name="Rectangle 10">
+            <a:extLst>
+              <a:ext uri="{FF2B5EF4-FFF2-40B4-BE49-F238E27FC236}">
+                <a16:creationId xmlns:a16="http://schemas.microsoft.com/office/drawing/2014/main" id="{EFBC54D6-23CB-9119-2F1F-E04FFFF7F8CB}"/>
+              </a:ext>
+              <a:ext uri="{C183D7F6-B498-43B3-948B-1728B52AA6E4}">
+                <adec:decorative xmlns:adec="http://schemas.microsoft.com/office/drawing/2017/decorative" val="1"/>
+              </a:ext>
+            </a:extLst>
+          </p:cNvPr>
+          <p:cNvSpPr>
+            <a:spLocks noGrp="1" noRot="1" noChangeAspect="1" noMove="1" noResize="1" noEditPoints="1" noAdjustHandles="1" noChangeArrowheads="1" noChangeShapeType="1" noTextEdit="1"/>
+          </p:cNvSpPr>
+          <p:nvPr>
+            <p:extLst>
+              <p:ext uri="{386F3935-93C4-4BCD-93E2-E3B085C9AB24}">
+                <p16:designElem xmlns:p16="http://schemas.microsoft.com/office/powerpoint/2015/main" val="1"/>
+              </p:ext>
+            </p:extLst>
+          </p:nvPr>
+        </p:nvSpPr>
+        <p:spPr>
+          <a:xfrm>
+            <a:off x="0" y="-1"/>
+            <a:ext cx="12192000" cy="6858001"/>
+          </a:xfrm>
+          <a:prstGeom prst="rect">
+            <a:avLst/>
+          </a:prstGeom>
+          <a:solidFill>
+            <a:srgbClr val="000000"/>
+          </a:solidFill>
+          <a:ln>
+            <a:noFill/>
+          </a:ln>
+        </p:spPr>
+        <p:style>
+          <a:lnRef idx="2">
+            <a:schemeClr val="accent1">
+              <a:shade val="50000"/>
+            </a:schemeClr>
+          </a:lnRef>
+          <a:fillRef idx="1">
+            <a:schemeClr val="accent1"/>
+          </a:fillRef>
+          <a:effectRef idx="0">
+            <a:schemeClr val="accent1"/>
+          </a:effectRef>
+          <a:fontRef idx="minor">
+            <a:schemeClr val="lt1"/>
+          </a:fontRef>
+        </p:style>
+        <p:txBody>
+          <a:bodyPr rtlCol="0" anchor="ctr"/>
+          <a:lstStyle/>
+          <a:p>
+            <a:pPr algn="ctr"/>
+            <a:endParaRPr lang="en-US"/>
+          </a:p>
+        </p:txBody>
+      </p:sp>
+      <p:pic>
+        <p:nvPicPr>
+          <p:cNvPr id="4" name="Picture 3">
+            <a:extLst>
+              <a:ext uri="{FF2B5EF4-FFF2-40B4-BE49-F238E27FC236}">
+                <a16:creationId xmlns:a16="http://schemas.microsoft.com/office/drawing/2014/main" id="{6F4E5F83-9615-792A-555E-1342C7D07B24}"/>
+              </a:ext>
+            </a:extLst>
+          </p:cNvPr>
+          <p:cNvPicPr>
+            <a:picLocks noChangeAspect="1"/>
+          </p:cNvPicPr>
+          <p:nvPr/>
+        </p:nvPicPr>
+        <p:blipFill rotWithShape="1">
+          <a:blip r:embed="rId2">
+            <a:alphaModFix amt="40000"/>
+          </a:blip>
+          <a:srcRect l="1856" r="1281" b="1"/>
+          <a:stretch/>
+        </p:blipFill>
+        <p:spPr>
+          <a:xfrm>
+            <a:off x="20" y="10"/>
+            <a:ext cx="12188932" cy="6857990"/>
+          </a:xfrm>
+          <a:prstGeom prst="rect">
+            <a:avLst/>
+          </a:prstGeom>
+        </p:spPr>
+      </p:pic>
+      <p:sp>
+        <p:nvSpPr>
+          <p:cNvPr id="2" name="Title 1">
+            <a:extLst>
+              <a:ext uri="{FF2B5EF4-FFF2-40B4-BE49-F238E27FC236}">
+                <a16:creationId xmlns:a16="http://schemas.microsoft.com/office/drawing/2014/main" id="{CD2C7765-149B-C46C-AFC9-92D4AD7C74F2}"/>
+              </a:ext>
+            </a:extLst>
+          </p:cNvPr>
+          <p:cNvSpPr>
+            <a:spLocks noGrp="1"/>
+          </p:cNvSpPr>
+          <p:nvPr>
+            <p:ph type="ctrTitle"/>
+          </p:nvPr>
+        </p:nvSpPr>
+        <p:spPr>
+          <a:xfrm>
+            <a:off x="482600" y="732032"/>
+            <a:ext cx="6900839" cy="2736390"/>
+          </a:xfrm>
+        </p:spPr>
+        <p:txBody>
+          <a:bodyPr anchor="t">
+            <a:normAutofit/>
+          </a:bodyPr>
+          <a:lstStyle/>
+          <a:p>
+            <a:r>
+              <a:rPr lang="en-GB" sz="8000" dirty="0" err="1">
+                <a:solidFill>
+                  <a:srgbClr val="FFFFFF"/>
+                </a:solidFill>
+                <a:latin typeface="Abadi" panose="020B0604020104020204" pitchFamily="34" charset="0"/>
+              </a:rPr>
+              <a:t>Ingreedy</a:t>
+            </a:r>
+            <a:r>
+              <a:rPr lang="en-GB" sz="8000" dirty="0">
+                <a:solidFill>
+                  <a:srgbClr val="FFFFFF"/>
+                </a:solidFill>
+              </a:rPr>
+              <a:t> </a:t>
+            </a:r>
+          </a:p>
+        </p:txBody>
+      </p:sp>
+      <p:sp>
+        <p:nvSpPr>
+          <p:cNvPr id="3" name="Subtitle 2">
+            <a:extLst>
+              <a:ext uri="{FF2B5EF4-FFF2-40B4-BE49-F238E27FC236}">
+                <a16:creationId xmlns:a16="http://schemas.microsoft.com/office/drawing/2014/main" id="{E5372484-3E79-8711-9A51-5566B595C3CE}"/>
+              </a:ext>
+            </a:extLst>
+          </p:cNvPr>
+          <p:cNvSpPr>
+            <a:spLocks noGrp="1"/>
+          </p:cNvSpPr>
+          <p:nvPr>
+            <p:ph type="subTitle" idx="1"/>
+          </p:nvPr>
+        </p:nvSpPr>
+        <p:spPr>
+          <a:xfrm>
+            <a:off x="6596565" y="4201721"/>
+            <a:ext cx="4986084" cy="1949813"/>
+          </a:xfrm>
+        </p:spPr>
+        <p:txBody>
+          <a:bodyPr anchor="b">
+            <a:normAutofit/>
+          </a:bodyPr>
+          <a:lstStyle/>
+          <a:p>
+            <a:pPr algn="r"/>
+            <a:r>
+              <a:rPr lang="en-GB" dirty="0">
+                <a:solidFill>
+                  <a:srgbClr val="FFFFFF"/>
+                </a:solidFill>
+              </a:rPr>
+              <a:t>The ordinary persons sue chef to making use of left over ingredients</a:t>
+            </a:r>
+          </a:p>
+        </p:txBody>
+      </p:sp>
+      <p:cxnSp>
+        <p:nvCxnSpPr>
+          <p:cNvPr id="13" name="Straight Connector 12">
+            <a:extLst>
+              <a:ext uri="{FF2B5EF4-FFF2-40B4-BE49-F238E27FC236}">
+                <a16:creationId xmlns:a16="http://schemas.microsoft.com/office/drawing/2014/main" id="{906D5854-CB89-39E9-F0A1-D03AD1F3BB5D}"/>
+              </a:ext>
+              <a:ext uri="{C183D7F6-B498-43B3-948B-1728B52AA6E4}">
+                <adec:decorative xmlns:adec="http://schemas.microsoft.com/office/drawing/2017/decorative" val="1"/>
+              </a:ext>
+            </a:extLst>
+          </p:cNvPr>
+          <p:cNvCxnSpPr>
+            <a:cxnSpLocks noGrp="1" noRot="1" noChangeAspect="1" noMove="1" noResize="1" noEditPoints="1" noAdjustHandles="1" noChangeArrowheads="1" noChangeShapeType="1"/>
+          </p:cNvCxnSpPr>
+          <p:nvPr>
+            <p:extLst>
+              <p:ext uri="{386F3935-93C4-4BCD-93E2-E3B085C9AB24}">
+                <p16:designElem xmlns:p16="http://schemas.microsoft.com/office/powerpoint/2015/main" val="1"/>
+              </p:ext>
+            </p:extLst>
+          </p:nvPr>
+        </p:nvCxnSpPr>
+        <p:spPr>
+          <a:xfrm>
+            <a:off x="482600" y="489855"/>
+            <a:ext cx="11147071" cy="0"/>
+          </a:xfrm>
+          <a:prstGeom prst="line">
+            <a:avLst/>
+          </a:prstGeom>
+          <a:ln w="28575">
+            <a:solidFill>
+              <a:srgbClr val="FFFFFF"/>
+            </a:solidFill>
+          </a:ln>
+        </p:spPr>
+        <p:style>
+          <a:lnRef idx="1">
+            <a:schemeClr val="dk1"/>
+          </a:lnRef>
+          <a:fillRef idx="0">
+            <a:schemeClr val="dk1"/>
+          </a:fillRef>
+          <a:effectRef idx="0">
+            <a:schemeClr val="dk1"/>
+          </a:effectRef>
+          <a:fontRef idx="minor">
+            <a:schemeClr val="tx1"/>
+          </a:fontRef>
+        </p:style>
+      </p:cxnSp>
+      <p:cxnSp>
+        <p:nvCxnSpPr>
+          <p:cNvPr id="15" name="Straight Connector 14">
+            <a:extLst>
+              <a:ext uri="{FF2B5EF4-FFF2-40B4-BE49-F238E27FC236}">
+                <a16:creationId xmlns:a16="http://schemas.microsoft.com/office/drawing/2014/main" id="{94B4AE6F-2F7F-114C-9380-22CB71B819B2}"/>
+              </a:ext>
+              <a:ext uri="{C183D7F6-B498-43B3-948B-1728B52AA6E4}">
+                <adec:decorative xmlns:adec="http://schemas.microsoft.com/office/drawing/2017/decorative" val="1"/>
+              </a:ext>
+            </a:extLst>
+          </p:cNvPr>
+          <p:cNvCxnSpPr>
+            <a:cxnSpLocks noGrp="1" noRot="1" noChangeAspect="1" noMove="1" noResize="1" noEditPoints="1" noAdjustHandles="1" noChangeArrowheads="1" noChangeShapeType="1"/>
+          </p:cNvCxnSpPr>
+          <p:nvPr>
+            <p:extLst>
+              <p:ext uri="{386F3935-93C4-4BCD-93E2-E3B085C9AB24}">
+                <p16:designElem xmlns:p16="http://schemas.microsoft.com/office/powerpoint/2015/main" val="1"/>
+              </p:ext>
+            </p:extLst>
+          </p:nvPr>
+        </p:nvCxnSpPr>
+        <p:spPr>
+          <a:xfrm>
+            <a:off x="482600" y="6368138"/>
+            <a:ext cx="11147071" cy="0"/>
+          </a:xfrm>
+          <a:prstGeom prst="line">
+            <a:avLst/>
+          </a:prstGeom>
+          <a:ln w="28575">
+            <a:solidFill>
+              <a:srgbClr val="FFFFFF"/>
+            </a:solidFill>
+          </a:ln>
+        </p:spPr>
+        <p:style>
+          <a:lnRef idx="1">
+            <a:schemeClr val="dk1"/>
+          </a:lnRef>
+          <a:fillRef idx="0">
+            <a:schemeClr val="dk1"/>
+          </a:fillRef>
+          <a:effectRef idx="0">
+            <a:schemeClr val="dk1"/>
+          </a:effectRef>
+          <a:fontRef idx="minor">
+            <a:schemeClr val="tx1"/>
+          </a:fontRef>
+        </p:style>
+      </p:cxnSp>
+    </p:spTree>
+    <p:extLst>
+      <p:ext uri="{BB962C8B-B14F-4D97-AF65-F5344CB8AC3E}">
+        <p14:creationId xmlns:p14="http://schemas.microsoft.com/office/powerpoint/2010/main" val="3979647535"/>
+      </p:ext>
+    </p:extLst>
+  </p:cSld>
+  <p:clrMapOvr>
+    <a:masterClrMapping/>
+  </p:clrMapOvr>
+</p:sld>
+</file>
+
 <file path=ppt/slides/slide2.xml><?xml version="1.0" encoding="utf-8"?>
 <p:sld xmlns:a="http://schemas.openxmlformats.org/drawingml/2006/main" xmlns:r="http://schemas.openxmlformats.org/officeDocument/2006/relationships" xmlns:p="http://schemas.openxmlformats.org/presentationml/2006/main">
   <p:cSld>
@@ -4875,10 +5270,9 @@
           <a:lstStyle/>
           <a:p>
             <a:r>
-              <a:rPr lang="en-GB"/>
+              <a:rPr lang="en-GB" sz="5400" dirty="0"/>
               <a:t>We’ve all been here </a:t>
             </a:r>
-            <a:endParaRPr lang="en-GB" dirty="0"/>
           </a:p>
         </p:txBody>
       </p:sp>
@@ -4911,8 +5305,8 @@
         </p:blipFill>
         <p:spPr bwMode="auto">
           <a:xfrm>
-            <a:off x="3074504" y="1762615"/>
-            <a:ext cx="6042991" cy="4532243"/>
+            <a:off x="3073400" y="1851281"/>
+            <a:ext cx="5781628" cy="4336221"/>
           </a:xfrm>
           <a:prstGeom prst="rect">
             <a:avLst/>
@@ -5072,151 +5466,165 @@
           </a:p>
         </p:txBody>
       </p:sp>
-      <p:sp>
-        <p:nvSpPr>
-          <p:cNvPr id="2" name="Title 1">
-            <a:extLst>
-              <a:ext uri="{FF2B5EF4-FFF2-40B4-BE49-F238E27FC236}">
-                <a16:creationId xmlns:a16="http://schemas.microsoft.com/office/drawing/2014/main" id="{2AA09916-4D0B-0B4E-5126-768E8BE64424}"/>
-              </a:ext>
-            </a:extLst>
-          </p:cNvPr>
-          <p:cNvSpPr>
-            <a:spLocks noGrp="1"/>
-          </p:cNvSpPr>
-          <p:nvPr>
-            <p:ph type="ctrTitle"/>
-          </p:nvPr>
-        </p:nvSpPr>
-        <p:spPr>
-          <a:xfrm>
-            <a:off x="296668" y="2112826"/>
-            <a:ext cx="5614993" cy="877447"/>
-          </a:xfrm>
-        </p:spPr>
-        <p:txBody>
-          <a:bodyPr anchor="b">
-            <a:noAutofit/>
-          </a:bodyPr>
-          <a:lstStyle/>
-          <a:p>
-            <a:r>
-              <a:rPr lang="en-GB" sz="5400" dirty="0"/>
-              <a:t>Using unloved ingredients was never easier </a:t>
-            </a:r>
-          </a:p>
-        </p:txBody>
-      </p:sp>
-      <p:sp>
-        <p:nvSpPr>
-          <p:cNvPr id="3" name="Subtitle 2">
-            <a:extLst>
-              <a:ext uri="{FF2B5EF4-FFF2-40B4-BE49-F238E27FC236}">
-                <a16:creationId xmlns:a16="http://schemas.microsoft.com/office/drawing/2014/main" id="{07714F72-39D6-EC7A-C634-965586AEE030}"/>
-              </a:ext>
-            </a:extLst>
-          </p:cNvPr>
-          <p:cNvSpPr>
-            <a:spLocks noGrp="1"/>
-          </p:cNvSpPr>
-          <p:nvPr>
-            <p:ph type="subTitle" idx="1"/>
-          </p:nvPr>
-        </p:nvSpPr>
-        <p:spPr>
-          <a:xfrm>
-            <a:off x="482600" y="3367942"/>
-            <a:ext cx="5614993" cy="2267745"/>
-          </a:xfrm>
-        </p:spPr>
-        <p:txBody>
-          <a:bodyPr anchor="t">
-            <a:normAutofit fontScale="92500" lnSpcReduction="20000"/>
-          </a:bodyPr>
-          <a:lstStyle/>
-          <a:p>
-            <a:r>
-              <a:rPr lang="en-GB" dirty="0"/>
-              <a:t>Why neglect what you have in your kitchen? </a:t>
-            </a:r>
-            <a:r>
-              <a:rPr lang="en-GB" dirty="0" err="1"/>
-              <a:t>Ingreedy</a:t>
-            </a:r>
-            <a:r>
-              <a:rPr lang="en-GB" dirty="0"/>
-              <a:t> can help you:</a:t>
-            </a:r>
-          </a:p>
-          <a:p>
-            <a:pPr marL="342900" indent="-342900">
-              <a:buFont typeface="Arial" panose="020B0604020202020204" pitchFamily="34" charset="0"/>
-              <a:buChar char="•"/>
-            </a:pPr>
-            <a:r>
-              <a:rPr lang="en-GB" dirty="0"/>
-              <a:t>Save money </a:t>
-            </a:r>
-          </a:p>
-          <a:p>
-            <a:pPr marL="342900" indent="-342900">
-              <a:buFont typeface="Arial" panose="020B0604020202020204" pitchFamily="34" charset="0"/>
-              <a:buChar char="•"/>
-            </a:pPr>
-            <a:r>
-              <a:rPr lang="en-GB" dirty="0"/>
-              <a:t>Be environmentally friendly </a:t>
-            </a:r>
-          </a:p>
-          <a:p>
-            <a:pPr marL="342900" indent="-342900">
-              <a:buFont typeface="Arial" panose="020B0604020202020204" pitchFamily="34" charset="0"/>
-              <a:buChar char="•"/>
-            </a:pPr>
-            <a:r>
-              <a:rPr lang="en-GB" dirty="0"/>
-              <a:t>Make delicious meals to impress your friends! (if you have any) </a:t>
-            </a:r>
-          </a:p>
-          <a:p>
-            <a:endParaRPr lang="en-GB" dirty="0"/>
-          </a:p>
-          <a:p>
-            <a:endParaRPr lang="en-GB" dirty="0"/>
-          </a:p>
-        </p:txBody>
-      </p:sp>
       <p:pic>
         <p:nvPicPr>
-          <p:cNvPr id="4" name="Picture 3">
-            <a:extLst>
-              <a:ext uri="{FF2B5EF4-FFF2-40B4-BE49-F238E27FC236}">
-                <a16:creationId xmlns:a16="http://schemas.microsoft.com/office/drawing/2014/main" id="{2E32A509-B3EF-5A76-ADE1-FD76A6A3B939}"/>
+          <p:cNvPr id="1028" name="Picture 4">
+            <a:extLst>
+              <a:ext uri="{FF2B5EF4-FFF2-40B4-BE49-F238E27FC236}">
+                <a16:creationId xmlns:a16="http://schemas.microsoft.com/office/drawing/2014/main" id="{1CDBA51C-AEFB-775C-81B9-B39348DEFF6E}"/>
               </a:ext>
             </a:extLst>
           </p:cNvPr>
           <p:cNvPicPr>
-            <a:picLocks noChangeAspect="1"/>
+            <a:picLocks noChangeAspect="1" noChangeArrowheads="1"/>
           </p:cNvPicPr>
           <p:nvPr/>
         </p:nvPicPr>
         <p:blipFill rotWithShape="1">
           <a:blip r:embed="rId2">
-            <a:alphaModFix/>
+            <a:extLst>
+              <a:ext uri="{28A0092B-C50C-407E-A947-70E740481C1C}">
+                <a14:useLocalDpi xmlns:a14="http://schemas.microsoft.com/office/drawing/2010/main" val="0"/>
+              </a:ext>
+            </a:extLst>
           </a:blip>
-          <a:srcRect l="25489" r="24916" b="1"/>
+          <a:srcRect l="9110" t="748" r="7362"/>
           <a:stretch/>
         </p:blipFill>
-        <p:spPr>
-          <a:xfrm>
-            <a:off x="6280340" y="489856"/>
-            <a:ext cx="5349331" cy="5878282"/>
+        <p:spPr bwMode="auto">
+          <a:xfrm>
+            <a:off x="5706406" y="2040557"/>
+            <a:ext cx="6188926" cy="4135873"/>
           </a:xfrm>
           <a:prstGeom prst="rect">
             <a:avLst/>
           </a:prstGeom>
+          <a:noFill/>
+          <a:extLst>
+            <a:ext uri="{909E8E84-426E-40DD-AFC4-6F175D3DCCD1}">
+              <a14:hiddenFill xmlns:a14="http://schemas.microsoft.com/office/drawing/2010/main">
+                <a:solidFill>
+                  <a:srgbClr val="FFFFFF"/>
+                </a:solidFill>
+              </a14:hiddenFill>
+            </a:ext>
+          </a:extLst>
         </p:spPr>
       </p:pic>
+      <p:sp>
+        <p:nvSpPr>
+          <p:cNvPr id="2" name="Title 1">
+            <a:extLst>
+              <a:ext uri="{FF2B5EF4-FFF2-40B4-BE49-F238E27FC236}">
+                <a16:creationId xmlns:a16="http://schemas.microsoft.com/office/drawing/2014/main" id="{2AA09916-4D0B-0B4E-5126-768E8BE64424}"/>
+              </a:ext>
+            </a:extLst>
+          </p:cNvPr>
+          <p:cNvSpPr>
+            <a:spLocks noGrp="1"/>
+          </p:cNvSpPr>
+          <p:nvPr>
+            <p:ph type="ctrTitle"/>
+          </p:nvPr>
+        </p:nvSpPr>
+        <p:spPr>
+          <a:xfrm>
+            <a:off x="296668" y="2112826"/>
+            <a:ext cx="5614993" cy="877447"/>
+          </a:xfrm>
+        </p:spPr>
+        <p:txBody>
+          <a:bodyPr anchor="b">
+            <a:noAutofit/>
+          </a:bodyPr>
+          <a:lstStyle/>
+          <a:p>
+            <a:r>
+              <a:rPr lang="en-GB" sz="5400" dirty="0"/>
+              <a:t>Using unloved ingredients was never easier </a:t>
+            </a:r>
+          </a:p>
+        </p:txBody>
+      </p:sp>
+      <p:sp>
+        <p:nvSpPr>
+          <p:cNvPr id="3" name="Subtitle 2">
+            <a:extLst>
+              <a:ext uri="{FF2B5EF4-FFF2-40B4-BE49-F238E27FC236}">
+                <a16:creationId xmlns:a16="http://schemas.microsoft.com/office/drawing/2014/main" id="{07714F72-39D6-EC7A-C634-965586AEE030}"/>
+              </a:ext>
+            </a:extLst>
+          </p:cNvPr>
+          <p:cNvSpPr>
+            <a:spLocks noGrp="1"/>
+          </p:cNvSpPr>
+          <p:nvPr>
+            <p:ph type="subTitle" idx="1"/>
+          </p:nvPr>
+        </p:nvSpPr>
+        <p:spPr>
+          <a:xfrm>
+            <a:off x="386350" y="3367942"/>
+            <a:ext cx="5614993" cy="2267745"/>
+          </a:xfrm>
+        </p:spPr>
+        <p:txBody>
+          <a:bodyPr anchor="t">
+            <a:normAutofit fontScale="92500" lnSpcReduction="20000"/>
+          </a:bodyPr>
+          <a:lstStyle/>
+          <a:p>
+            <a:r>
+              <a:rPr lang="en-GB" dirty="0"/>
+              <a:t>Why neglect what you have in your kitchen? </a:t>
+            </a:r>
+            <a:r>
+              <a:rPr lang="en-GB" dirty="0" err="1"/>
+              <a:t>Ingreedy</a:t>
+            </a:r>
+            <a:r>
+              <a:rPr lang="en-GB" dirty="0"/>
+              <a:t> can help you:</a:t>
+            </a:r>
+          </a:p>
+          <a:p>
+            <a:pPr marL="342900" indent="-342900">
+              <a:buFont typeface="Arial" panose="020B0604020202020204" pitchFamily="34" charset="0"/>
+              <a:buChar char="•"/>
+            </a:pPr>
+            <a:r>
+              <a:rPr lang="en-GB" dirty="0"/>
+              <a:t>Save money </a:t>
+            </a:r>
+          </a:p>
+          <a:p>
+            <a:pPr marL="342900" indent="-342900">
+              <a:buFont typeface="Arial" panose="020B0604020202020204" pitchFamily="34" charset="0"/>
+              <a:buChar char="•"/>
+            </a:pPr>
+            <a:r>
+              <a:rPr lang="en-GB" dirty="0"/>
+              <a:t>Be environmentally friendly </a:t>
+            </a:r>
+          </a:p>
+          <a:p>
+            <a:pPr marL="342900" indent="-342900">
+              <a:buFont typeface="Arial" panose="020B0604020202020204" pitchFamily="34" charset="0"/>
+              <a:buChar char="•"/>
+            </a:pPr>
+            <a:r>
+              <a:rPr lang="en-GB" dirty="0"/>
+              <a:t>Make delicious meals to impress your friends! (if you have any) </a:t>
+            </a:r>
+          </a:p>
+          <a:p>
+            <a:endParaRPr lang="en-GB" dirty="0"/>
+          </a:p>
+          <a:p>
+            <a:endParaRPr lang="en-GB" dirty="0"/>
+          </a:p>
+        </p:txBody>
+      </p:sp>
       <p:cxnSp>
         <p:nvCxnSpPr>
           <p:cNvPr id="22" name="Straight Connector 21">
@@ -5674,6 +6082,600 @@
 <file path=ppt/slides/slide4.xml><?xml version="1.0" encoding="utf-8"?>
 <p:sld xmlns:a="http://schemas.openxmlformats.org/drawingml/2006/main" xmlns:r="http://schemas.openxmlformats.org/officeDocument/2006/relationships" xmlns:p="http://schemas.openxmlformats.org/presentationml/2006/main">
   <p:cSld>
+    <p:spTree>
+      <p:nvGrpSpPr>
+        <p:cNvPr id="1" name=""/>
+        <p:cNvGrpSpPr/>
+        <p:nvPr/>
+      </p:nvGrpSpPr>
+      <p:grpSpPr>
+        <a:xfrm>
+          <a:off x="0" y="0"/>
+          <a:ext cx="0" cy="0"/>
+          <a:chOff x="0" y="0"/>
+          <a:chExt cx="0" cy="0"/>
+        </a:xfrm>
+      </p:grpSpPr>
+      <p:sp>
+        <p:nvSpPr>
+          <p:cNvPr id="2" name="Title 1">
+            <a:extLst>
+              <a:ext uri="{FF2B5EF4-FFF2-40B4-BE49-F238E27FC236}">
+                <a16:creationId xmlns:a16="http://schemas.microsoft.com/office/drawing/2014/main" id="{7AF2809E-D28D-73A2-07BD-7DA1AB17199D}"/>
+              </a:ext>
+            </a:extLst>
+          </p:cNvPr>
+          <p:cNvSpPr>
+            <a:spLocks noGrp="1"/>
+          </p:cNvSpPr>
+          <p:nvPr>
+            <p:ph type="title"/>
+          </p:nvPr>
+        </p:nvSpPr>
+        <p:spPr>
+          <a:xfrm>
+            <a:off x="482600" y="612648"/>
+            <a:ext cx="7881754" cy="831141"/>
+          </a:xfrm>
+        </p:spPr>
+        <p:txBody>
+          <a:bodyPr/>
+          <a:lstStyle/>
+          <a:p>
+            <a:r>
+              <a:rPr lang="en-GB" sz="4800" dirty="0"/>
+              <a:t>How it works</a:t>
+            </a:r>
+          </a:p>
+        </p:txBody>
+      </p:sp>
+      <p:pic>
+        <p:nvPicPr>
+          <p:cNvPr id="7" name="Picture 6">
+            <a:extLst>
+              <a:ext uri="{FF2B5EF4-FFF2-40B4-BE49-F238E27FC236}">
+                <a16:creationId xmlns:a16="http://schemas.microsoft.com/office/drawing/2014/main" id="{6D63CF3B-C96C-8DBC-FEA0-4EDC39CA819E}"/>
+              </a:ext>
+            </a:extLst>
+          </p:cNvPr>
+          <p:cNvPicPr>
+            <a:picLocks noChangeAspect="1"/>
+          </p:cNvPicPr>
+          <p:nvPr/>
+        </p:nvPicPr>
+        <p:blipFill>
+          <a:blip r:embed="rId2"/>
+          <a:stretch>
+            <a:fillRect/>
+          </a:stretch>
+        </p:blipFill>
+        <p:spPr>
+          <a:xfrm>
+            <a:off x="2446875" y="1828800"/>
+            <a:ext cx="7120638" cy="4345182"/>
+          </a:xfrm>
+          <a:prstGeom prst="rect">
+            <a:avLst/>
+          </a:prstGeom>
+        </p:spPr>
+      </p:pic>
+    </p:spTree>
+    <p:extLst>
+      <p:ext uri="{BB962C8B-B14F-4D97-AF65-F5344CB8AC3E}">
+        <p14:creationId xmlns:p14="http://schemas.microsoft.com/office/powerpoint/2010/main" val="7138717"/>
+      </p:ext>
+    </p:extLst>
+  </p:cSld>
+  <p:clrMapOvr>
+    <a:masterClrMapping/>
+  </p:clrMapOvr>
+</p:sld>
+</file>
+
+<file path=ppt/slides/slide5.xml><?xml version="1.0" encoding="utf-8"?>
+<p:sld xmlns:a="http://schemas.openxmlformats.org/drawingml/2006/main" xmlns:r="http://schemas.openxmlformats.org/officeDocument/2006/relationships" xmlns:p="http://schemas.openxmlformats.org/presentationml/2006/main">
+  <p:cSld>
+    <p:spTree>
+      <p:nvGrpSpPr>
+        <p:cNvPr id="1" name="">
+          <a:extLst>
+            <a:ext uri="{FF2B5EF4-FFF2-40B4-BE49-F238E27FC236}">
+              <a16:creationId xmlns:a16="http://schemas.microsoft.com/office/drawing/2014/main" id="{0D728272-58AA-E803-7F14-7B66FAA16849}"/>
+            </a:ext>
+          </a:extLst>
+        </p:cNvPr>
+        <p:cNvGrpSpPr/>
+        <p:nvPr/>
+      </p:nvGrpSpPr>
+      <p:grpSpPr>
+        <a:xfrm>
+          <a:off x="0" y="0"/>
+          <a:ext cx="0" cy="0"/>
+          <a:chOff x="0" y="0"/>
+          <a:chExt cx="0" cy="0"/>
+        </a:xfrm>
+      </p:grpSpPr>
+      <p:sp>
+        <p:nvSpPr>
+          <p:cNvPr id="2" name="Title 1">
+            <a:extLst>
+              <a:ext uri="{FF2B5EF4-FFF2-40B4-BE49-F238E27FC236}">
+                <a16:creationId xmlns:a16="http://schemas.microsoft.com/office/drawing/2014/main" id="{26EB9444-521C-7AFC-A70C-BCC6E1A1E68F}"/>
+              </a:ext>
+            </a:extLst>
+          </p:cNvPr>
+          <p:cNvSpPr>
+            <a:spLocks noGrp="1"/>
+          </p:cNvSpPr>
+          <p:nvPr>
+            <p:ph type="title"/>
+          </p:nvPr>
+        </p:nvSpPr>
+        <p:spPr>
+          <a:xfrm>
+            <a:off x="482600" y="612648"/>
+            <a:ext cx="7881754" cy="831141"/>
+          </a:xfrm>
+        </p:spPr>
+        <p:txBody>
+          <a:bodyPr/>
+          <a:lstStyle/>
+          <a:p>
+            <a:r>
+              <a:rPr lang="en-GB" sz="4800" dirty="0"/>
+              <a:t>How it works</a:t>
+            </a:r>
+          </a:p>
+        </p:txBody>
+      </p:sp>
+      <p:pic>
+        <p:nvPicPr>
+          <p:cNvPr id="4" name="Picture 3" descr="A screenshot of a recipe">
+            <a:extLst>
+              <a:ext uri="{FF2B5EF4-FFF2-40B4-BE49-F238E27FC236}">
+                <a16:creationId xmlns:a16="http://schemas.microsoft.com/office/drawing/2014/main" id="{76B97091-D8BF-BAA4-0BC9-F687C05EBC5F}"/>
+              </a:ext>
+            </a:extLst>
+          </p:cNvPr>
+          <p:cNvPicPr>
+            <a:picLocks noChangeAspect="1"/>
+          </p:cNvPicPr>
+          <p:nvPr/>
+        </p:nvPicPr>
+        <p:blipFill>
+          <a:blip r:embed="rId2">
+            <a:extLst>
+              <a:ext uri="{28A0092B-C50C-407E-A947-70E740481C1C}">
+                <a14:useLocalDpi xmlns:a14="http://schemas.microsoft.com/office/drawing/2010/main" val="0"/>
+              </a:ext>
+            </a:extLst>
+          </a:blip>
+          <a:stretch>
+            <a:fillRect/>
+          </a:stretch>
+        </p:blipFill>
+        <p:spPr>
+          <a:xfrm>
+            <a:off x="1729338" y="1443789"/>
+            <a:ext cx="8383604" cy="4595499"/>
+          </a:xfrm>
+          <a:prstGeom prst="rect">
+            <a:avLst/>
+          </a:prstGeom>
+        </p:spPr>
+      </p:pic>
+    </p:spTree>
+    <p:extLst>
+      <p:ext uri="{BB962C8B-B14F-4D97-AF65-F5344CB8AC3E}">
+        <p14:creationId xmlns:p14="http://schemas.microsoft.com/office/powerpoint/2010/main" val="2201351635"/>
+      </p:ext>
+    </p:extLst>
+  </p:cSld>
+  <p:clrMapOvr>
+    <a:masterClrMapping/>
+  </p:clrMapOvr>
+</p:sld>
+</file>
+
+<file path=ppt/slides/slide6.xml><?xml version="1.0" encoding="utf-8"?>
+<p:sld xmlns:a="http://schemas.openxmlformats.org/drawingml/2006/main" xmlns:r="http://schemas.openxmlformats.org/officeDocument/2006/relationships" xmlns:p="http://schemas.openxmlformats.org/presentationml/2006/main">
+  <p:cSld>
+    <p:spTree>
+      <p:nvGrpSpPr>
+        <p:cNvPr id="1" name="">
+          <a:extLst>
+            <a:ext uri="{FF2B5EF4-FFF2-40B4-BE49-F238E27FC236}">
+              <a16:creationId xmlns:a16="http://schemas.microsoft.com/office/drawing/2014/main" id="{DEA120EA-90D3-FAB5-AF2E-D45A404926B0}"/>
+            </a:ext>
+          </a:extLst>
+        </p:cNvPr>
+        <p:cNvGrpSpPr/>
+        <p:nvPr/>
+      </p:nvGrpSpPr>
+      <p:grpSpPr>
+        <a:xfrm>
+          <a:off x="0" y="0"/>
+          <a:ext cx="0" cy="0"/>
+          <a:chOff x="0" y="0"/>
+          <a:chExt cx="0" cy="0"/>
+        </a:xfrm>
+      </p:grpSpPr>
+      <p:sp>
+        <p:nvSpPr>
+          <p:cNvPr id="2" name="Title 1">
+            <a:extLst>
+              <a:ext uri="{FF2B5EF4-FFF2-40B4-BE49-F238E27FC236}">
+                <a16:creationId xmlns:a16="http://schemas.microsoft.com/office/drawing/2014/main" id="{FE0C2935-5ECC-CBD9-CD9C-7ED57A5340A0}"/>
+              </a:ext>
+            </a:extLst>
+          </p:cNvPr>
+          <p:cNvSpPr>
+            <a:spLocks noGrp="1"/>
+          </p:cNvSpPr>
+          <p:nvPr>
+            <p:ph type="title"/>
+          </p:nvPr>
+        </p:nvSpPr>
+        <p:spPr>
+          <a:xfrm>
+            <a:off x="482600" y="612648"/>
+            <a:ext cx="7881754" cy="831141"/>
+          </a:xfrm>
+        </p:spPr>
+        <p:txBody>
+          <a:bodyPr/>
+          <a:lstStyle/>
+          <a:p>
+            <a:r>
+              <a:rPr lang="en-GB" sz="4800" dirty="0"/>
+              <a:t>How it works</a:t>
+            </a:r>
+          </a:p>
+        </p:txBody>
+      </p:sp>
+      <p:pic>
+        <p:nvPicPr>
+          <p:cNvPr id="5" name="Picture 4">
+            <a:extLst>
+              <a:ext uri="{FF2B5EF4-FFF2-40B4-BE49-F238E27FC236}">
+                <a16:creationId xmlns:a16="http://schemas.microsoft.com/office/drawing/2014/main" id="{ABBFED8B-9891-8B97-AAF9-6BBC971188F5}"/>
+              </a:ext>
+            </a:extLst>
+          </p:cNvPr>
+          <p:cNvPicPr>
+            <a:picLocks noChangeAspect="1"/>
+          </p:cNvPicPr>
+          <p:nvPr/>
+        </p:nvPicPr>
+        <p:blipFill>
+          <a:blip r:embed="rId2"/>
+          <a:stretch>
+            <a:fillRect/>
+          </a:stretch>
+        </p:blipFill>
+        <p:spPr>
+          <a:xfrm>
+            <a:off x="655854" y="1642106"/>
+            <a:ext cx="10717121" cy="4363059"/>
+          </a:xfrm>
+          <a:prstGeom prst="rect">
+            <a:avLst/>
+          </a:prstGeom>
+        </p:spPr>
+      </p:pic>
+    </p:spTree>
+    <p:extLst>
+      <p:ext uri="{BB962C8B-B14F-4D97-AF65-F5344CB8AC3E}">
+        <p14:creationId xmlns:p14="http://schemas.microsoft.com/office/powerpoint/2010/main" val="793805259"/>
+      </p:ext>
+    </p:extLst>
+  </p:cSld>
+  <p:clrMapOvr>
+    <a:masterClrMapping/>
+  </p:clrMapOvr>
+</p:sld>
+</file>
+
+<file path=ppt/slides/slide7.xml><?xml version="1.0" encoding="utf-8"?>
+<p:sld xmlns:a="http://schemas.openxmlformats.org/drawingml/2006/main" xmlns:r="http://schemas.openxmlformats.org/officeDocument/2006/relationships" xmlns:p="http://schemas.openxmlformats.org/presentationml/2006/main">
+  <p:cSld>
+    <p:spTree>
+      <p:nvGrpSpPr>
+        <p:cNvPr id="1" name=""/>
+        <p:cNvGrpSpPr/>
+        <p:nvPr/>
+      </p:nvGrpSpPr>
+      <p:grpSpPr>
+        <a:xfrm>
+          <a:off x="0" y="0"/>
+          <a:ext cx="0" cy="0"/>
+          <a:chOff x="0" y="0"/>
+          <a:chExt cx="0" cy="0"/>
+        </a:xfrm>
+      </p:grpSpPr>
+      <p:sp>
+        <p:nvSpPr>
+          <p:cNvPr id="2" name="Title 1">
+            <a:extLst>
+              <a:ext uri="{FF2B5EF4-FFF2-40B4-BE49-F238E27FC236}">
+                <a16:creationId xmlns:a16="http://schemas.microsoft.com/office/drawing/2014/main" id="{B26191A9-4360-C440-2A07-5DD09C1DDA00}"/>
+              </a:ext>
+            </a:extLst>
+          </p:cNvPr>
+          <p:cNvSpPr>
+            <a:spLocks noGrp="1"/>
+          </p:cNvSpPr>
+          <p:nvPr>
+            <p:ph type="title"/>
+          </p:nvPr>
+        </p:nvSpPr>
+        <p:spPr>
+          <a:xfrm>
+            <a:off x="482600" y="978408"/>
+            <a:ext cx="10634472" cy="965895"/>
+          </a:xfrm>
+        </p:spPr>
+        <p:txBody>
+          <a:bodyPr/>
+          <a:lstStyle/>
+          <a:p>
+            <a:r>
+              <a:rPr lang="en-GB" sz="4800" dirty="0"/>
+              <a:t>Data scraping</a:t>
+            </a:r>
+          </a:p>
+        </p:txBody>
+      </p:sp>
+      <p:sp>
+        <p:nvSpPr>
+          <p:cNvPr id="3" name="Content Placeholder 2">
+            <a:extLst>
+              <a:ext uri="{FF2B5EF4-FFF2-40B4-BE49-F238E27FC236}">
+                <a16:creationId xmlns:a16="http://schemas.microsoft.com/office/drawing/2014/main" id="{9C5A6B1B-6BCA-B2CA-1C68-CDABD4769AEF}"/>
+              </a:ext>
+            </a:extLst>
+          </p:cNvPr>
+          <p:cNvSpPr>
+            <a:spLocks noGrp="1"/>
+          </p:cNvSpPr>
+          <p:nvPr>
+            <p:ph idx="1"/>
+          </p:nvPr>
+        </p:nvSpPr>
+        <p:spPr>
+          <a:xfrm>
+            <a:off x="482600" y="2107932"/>
+            <a:ext cx="9643177" cy="3771659"/>
+          </a:xfrm>
+        </p:spPr>
+        <p:txBody>
+          <a:bodyPr/>
+          <a:lstStyle/>
+          <a:p>
+            <a:pPr marL="342900" indent="-342900">
+              <a:lnSpc>
+                <a:spcPct val="250000"/>
+              </a:lnSpc>
+              <a:buFont typeface="Arial" panose="020B0604020202020204" pitchFamily="34" charset="0"/>
+              <a:buChar char="•"/>
+            </a:pPr>
+            <a:r>
+              <a:rPr lang="en-GB" dirty="0"/>
+              <a:t>Using </a:t>
+            </a:r>
+            <a:r>
+              <a:rPr lang="en-GB" dirty="0" err="1"/>
+              <a:t>BeautifulSoup</a:t>
+            </a:r>
+            <a:endParaRPr lang="en-GB" dirty="0"/>
+          </a:p>
+          <a:p>
+            <a:pPr marL="342900" indent="-342900">
+              <a:lnSpc>
+                <a:spcPct val="250000"/>
+              </a:lnSpc>
+              <a:buFont typeface="Arial" panose="020B0604020202020204" pitchFamily="34" charset="0"/>
+              <a:buChar char="•"/>
+            </a:pPr>
+            <a:r>
+              <a:rPr lang="en-GB" dirty="0"/>
+              <a:t>Scraped recipes from BBC </a:t>
+            </a:r>
+            <a:r>
+              <a:rPr lang="en-GB" dirty="0" err="1"/>
+              <a:t>GoodFood</a:t>
+            </a:r>
+            <a:r>
+              <a:rPr lang="en-GB" dirty="0"/>
+              <a:t> (scalability)</a:t>
+            </a:r>
+          </a:p>
+          <a:p>
+            <a:pPr marL="342900" indent="-342900">
+              <a:lnSpc>
+                <a:spcPct val="250000"/>
+              </a:lnSpc>
+              <a:buFont typeface="Arial" panose="020B0604020202020204" pitchFamily="34" charset="0"/>
+              <a:buChar char="•"/>
+            </a:pPr>
+            <a:r>
+              <a:rPr lang="en-GB" dirty="0"/>
+              <a:t>Also scraped ingredients from BBC </a:t>
+            </a:r>
+            <a:r>
+              <a:rPr lang="en-GB" dirty="0" err="1"/>
+              <a:t>GoodFood’s</a:t>
+            </a:r>
+            <a:r>
+              <a:rPr lang="en-GB" dirty="0"/>
+              <a:t> list of ingredients</a:t>
+            </a:r>
+          </a:p>
+        </p:txBody>
+      </p:sp>
+    </p:spTree>
+    <p:extLst>
+      <p:ext uri="{BB962C8B-B14F-4D97-AF65-F5344CB8AC3E}">
+        <p14:creationId xmlns:p14="http://schemas.microsoft.com/office/powerpoint/2010/main" val="1098511335"/>
+      </p:ext>
+    </p:extLst>
+  </p:cSld>
+  <p:clrMapOvr>
+    <a:masterClrMapping/>
+  </p:clrMapOvr>
+</p:sld>
+</file>
+
+<file path=ppt/slides/slide8.xml><?xml version="1.0" encoding="utf-8"?>
+<p:sld xmlns:a="http://schemas.openxmlformats.org/drawingml/2006/main" xmlns:r="http://schemas.openxmlformats.org/officeDocument/2006/relationships" xmlns:p="http://schemas.openxmlformats.org/presentationml/2006/main">
+  <p:cSld>
+    <p:spTree>
+      <p:nvGrpSpPr>
+        <p:cNvPr id="1" name=""/>
+        <p:cNvGrpSpPr/>
+        <p:nvPr/>
+      </p:nvGrpSpPr>
+      <p:grpSpPr>
+        <a:xfrm>
+          <a:off x="0" y="0"/>
+          <a:ext cx="0" cy="0"/>
+          <a:chOff x="0" y="0"/>
+          <a:chExt cx="0" cy="0"/>
+        </a:xfrm>
+      </p:grpSpPr>
+      <p:sp>
+        <p:nvSpPr>
+          <p:cNvPr id="2" name="Title 1">
+            <a:extLst>
+              <a:ext uri="{FF2B5EF4-FFF2-40B4-BE49-F238E27FC236}">
+                <a16:creationId xmlns:a16="http://schemas.microsoft.com/office/drawing/2014/main" id="{E580A28C-3551-A3D3-A70D-9ABD7D17EC6F}"/>
+              </a:ext>
+            </a:extLst>
+          </p:cNvPr>
+          <p:cNvSpPr>
+            <a:spLocks noGrp="1"/>
+          </p:cNvSpPr>
+          <p:nvPr>
+            <p:ph type="title"/>
+          </p:nvPr>
+        </p:nvSpPr>
+        <p:spPr>
+          <a:xfrm>
+            <a:off x="482600" y="978408"/>
+            <a:ext cx="10634472" cy="1148775"/>
+          </a:xfrm>
+        </p:spPr>
+        <p:txBody>
+          <a:bodyPr/>
+          <a:lstStyle/>
+          <a:p>
+            <a:r>
+              <a:rPr lang="en-GB" sz="4800" dirty="0"/>
+              <a:t>Backend</a:t>
+            </a:r>
+          </a:p>
+        </p:txBody>
+      </p:sp>
+      <p:sp>
+        <p:nvSpPr>
+          <p:cNvPr id="3" name="Content Placeholder 2">
+            <a:extLst>
+              <a:ext uri="{FF2B5EF4-FFF2-40B4-BE49-F238E27FC236}">
+                <a16:creationId xmlns:a16="http://schemas.microsoft.com/office/drawing/2014/main" id="{C3C02D5B-E51E-A24D-8A6E-10AB2D01AED8}"/>
+              </a:ext>
+            </a:extLst>
+          </p:cNvPr>
+          <p:cNvSpPr>
+            <a:spLocks noGrp="1"/>
+          </p:cNvSpPr>
+          <p:nvPr>
+            <p:ph idx="1"/>
+          </p:nvPr>
+        </p:nvSpPr>
+        <p:spPr>
+          <a:xfrm>
+            <a:off x="482600" y="2127184"/>
+            <a:ext cx="10506991" cy="3752408"/>
+          </a:xfrm>
+        </p:spPr>
+        <p:txBody>
+          <a:bodyPr/>
+          <a:lstStyle/>
+          <a:p>
+            <a:pPr marL="342900" indent="-342900">
+              <a:buFont typeface="Arial" panose="020B0604020202020204" pitchFamily="34" charset="0"/>
+              <a:buChar char="•"/>
+            </a:pPr>
+            <a:r>
+              <a:rPr lang="en-GB" dirty="0"/>
+              <a:t>Python Script takes the list of ingredients scraped from BBC </a:t>
+            </a:r>
+            <a:r>
+              <a:rPr lang="en-GB" dirty="0" err="1"/>
+              <a:t>GoodFood</a:t>
+            </a:r>
+            <a:r>
+              <a:rPr lang="en-GB" dirty="0"/>
+              <a:t> and matches each ingredient to one in the list of ingredients</a:t>
+            </a:r>
+          </a:p>
+          <a:p>
+            <a:r>
+              <a:rPr lang="en-GB" dirty="0"/>
+              <a:t>     e.g. 		2 onions, finely chopped -&gt; onion</a:t>
+            </a:r>
+          </a:p>
+          <a:p>
+            <a:pPr marL="1257300" lvl="2" indent="-342900"/>
+            <a:r>
+              <a:rPr lang="en-GB" dirty="0"/>
+              <a:t>		</a:t>
+            </a:r>
+            <a:r>
+              <a:rPr lang="en-GB" sz="2400" dirty="0"/>
+              <a:t>bunch of fresh parsley -&gt; parsley</a:t>
+            </a:r>
+          </a:p>
+          <a:p>
+            <a:pPr marL="1257300" lvl="2" indent="-342900"/>
+            <a:r>
+              <a:rPr lang="en-GB" sz="2400" dirty="0"/>
+              <a:t>		</a:t>
+            </a:r>
+          </a:p>
+          <a:p>
+            <a:pPr marL="457200" indent="-457200">
+              <a:buFont typeface="Arial" panose="020B0604020202020204" pitchFamily="34" charset="0"/>
+              <a:buChar char="•"/>
+            </a:pPr>
+            <a:r>
+              <a:rPr lang="en-GB" dirty="0"/>
+              <a:t>Upon search, another function matches search terms to ingredient keywords in recipes</a:t>
+            </a:r>
+            <a:endParaRPr lang="en-GB" sz="2000" dirty="0"/>
+          </a:p>
+          <a:p>
+            <a:pPr marL="1257300" lvl="2" indent="-342900"/>
+            <a:endParaRPr lang="en-GB" sz="2400" dirty="0"/>
+          </a:p>
+        </p:txBody>
+      </p:sp>
+    </p:spTree>
+    <p:extLst>
+      <p:ext uri="{BB962C8B-B14F-4D97-AF65-F5344CB8AC3E}">
+        <p14:creationId xmlns:p14="http://schemas.microsoft.com/office/powerpoint/2010/main" val="762714294"/>
+      </p:ext>
+    </p:extLst>
+  </p:cSld>
+  <p:clrMapOvr>
+    <a:masterClrMapping/>
+  </p:clrMapOvr>
+</p:sld>
+</file>
+
+<file path=ppt/slides/slide9.xml><?xml version="1.0" encoding="utf-8"?>
+<p:sld xmlns:a="http://schemas.openxmlformats.org/drawingml/2006/main" xmlns:r="http://schemas.openxmlformats.org/officeDocument/2006/relationships" xmlns:p="http://schemas.openxmlformats.org/presentationml/2006/main">
+  <p:cSld>
     <p:bg>
       <p:bgPr>
         <a:solidFill>
@@ -6052,396 +7054,6 @@
     <p:extLst>
       <p:ext uri="{BB962C8B-B14F-4D97-AF65-F5344CB8AC3E}">
         <p14:creationId xmlns:p14="http://schemas.microsoft.com/office/powerpoint/2010/main" val="1410971401"/>
-      </p:ext>
-    </p:extLst>
-  </p:cSld>
-  <p:clrMapOvr>
-    <a:masterClrMapping/>
-  </p:clrMapOvr>
-</p:sld>
-</file>
-
-<file path=ppt/slides/slide5.xml><?xml version="1.0" encoding="utf-8"?>
-<p:sld xmlns:a="http://schemas.openxmlformats.org/drawingml/2006/main" xmlns:r="http://schemas.openxmlformats.org/officeDocument/2006/relationships" xmlns:p="http://schemas.openxmlformats.org/presentationml/2006/main">
-  <p:cSld>
-    <p:bg>
-      <p:bgPr>
-        <a:solidFill>
-          <a:schemeClr val="bg1"/>
-        </a:solidFill>
-        <a:effectLst/>
-      </p:bgPr>
-    </p:bg>
-    <p:spTree>
-      <p:nvGrpSpPr>
-        <p:cNvPr id="1" name="">
-          <a:extLst>
-            <a:ext uri="{FF2B5EF4-FFF2-40B4-BE49-F238E27FC236}">
-              <a16:creationId xmlns:a16="http://schemas.microsoft.com/office/drawing/2014/main" id="{037B77A8-CE8A-287D-E2BC-0DD9FC40D1FF}"/>
-            </a:ext>
-          </a:extLst>
-        </p:cNvPr>
-        <p:cNvGrpSpPr/>
-        <p:nvPr/>
-      </p:nvGrpSpPr>
-      <p:grpSpPr>
-        <a:xfrm>
-          <a:off x="0" y="0"/>
-          <a:ext cx="0" cy="0"/>
-          <a:chOff x="0" y="0"/>
-          <a:chExt cx="0" cy="0"/>
-        </a:xfrm>
-      </p:grpSpPr>
-      <p:sp useBgFill="1">
-        <p:nvSpPr>
-          <p:cNvPr id="9" name="Rectangle 8">
-            <a:extLst>
-              <a:ext uri="{FF2B5EF4-FFF2-40B4-BE49-F238E27FC236}">
-                <a16:creationId xmlns:a16="http://schemas.microsoft.com/office/drawing/2014/main" id="{97D00621-2BFB-D51F-A62D-90ACFB01E57C}"/>
-              </a:ext>
-              <a:ext uri="{C183D7F6-B498-43B3-948B-1728B52AA6E4}">
-                <adec:decorative xmlns:adec="http://schemas.microsoft.com/office/drawing/2017/decorative" val="1"/>
-              </a:ext>
-            </a:extLst>
-          </p:cNvPr>
-          <p:cNvSpPr>
-            <a:spLocks noGrp="1" noRot="1" noChangeAspect="1" noMove="1" noResize="1" noEditPoints="1" noAdjustHandles="1" noChangeArrowheads="1" noChangeShapeType="1" noTextEdit="1"/>
-          </p:cNvSpPr>
-          <p:nvPr>
-            <p:extLst>
-              <p:ext uri="{386F3935-93C4-4BCD-93E2-E3B085C9AB24}">
-                <p16:designElem xmlns:p16="http://schemas.microsoft.com/office/powerpoint/2015/main" val="1"/>
-              </p:ext>
-            </p:extLst>
-          </p:nvPr>
-        </p:nvSpPr>
-        <p:spPr>
-          <a:xfrm>
-            <a:off x="0" y="-1"/>
-            <a:ext cx="12192000" cy="6858001"/>
-          </a:xfrm>
-          <a:prstGeom prst="rect">
-            <a:avLst/>
-          </a:prstGeom>
-          <a:ln>
-            <a:noFill/>
-          </a:ln>
-        </p:spPr>
-        <p:style>
-          <a:lnRef idx="2">
-            <a:schemeClr val="accent1">
-              <a:shade val="50000"/>
-            </a:schemeClr>
-          </a:lnRef>
-          <a:fillRef idx="1">
-            <a:schemeClr val="accent1"/>
-          </a:fillRef>
-          <a:effectRef idx="0">
-            <a:schemeClr val="accent1"/>
-          </a:effectRef>
-          <a:fontRef idx="minor">
-            <a:schemeClr val="lt1"/>
-          </a:fontRef>
-        </p:style>
-        <p:txBody>
-          <a:bodyPr rtlCol="0" anchor="ctr"/>
-          <a:lstStyle/>
-          <a:p>
-            <a:pPr algn="ctr"/>
-            <a:endParaRPr lang="en-US"/>
-          </a:p>
-        </p:txBody>
-      </p:sp>
-      <p:sp>
-        <p:nvSpPr>
-          <p:cNvPr id="11" name="Rectangle 10">
-            <a:extLst>
-              <a:ext uri="{FF2B5EF4-FFF2-40B4-BE49-F238E27FC236}">
-                <a16:creationId xmlns:a16="http://schemas.microsoft.com/office/drawing/2014/main" id="{EFBC54D6-23CB-9119-2F1F-E04FFFF7F8CB}"/>
-              </a:ext>
-              <a:ext uri="{C183D7F6-B498-43B3-948B-1728B52AA6E4}">
-                <adec:decorative xmlns:adec="http://schemas.microsoft.com/office/drawing/2017/decorative" val="1"/>
-              </a:ext>
-            </a:extLst>
-          </p:cNvPr>
-          <p:cNvSpPr>
-            <a:spLocks noGrp="1" noRot="1" noChangeAspect="1" noMove="1" noResize="1" noEditPoints="1" noAdjustHandles="1" noChangeArrowheads="1" noChangeShapeType="1" noTextEdit="1"/>
-          </p:cNvSpPr>
-          <p:nvPr>
-            <p:extLst>
-              <p:ext uri="{386F3935-93C4-4BCD-93E2-E3B085C9AB24}">
-                <p16:designElem xmlns:p16="http://schemas.microsoft.com/office/powerpoint/2015/main" val="1"/>
-              </p:ext>
-            </p:extLst>
-          </p:nvPr>
-        </p:nvSpPr>
-        <p:spPr>
-          <a:xfrm>
-            <a:off x="0" y="-1"/>
-            <a:ext cx="12192000" cy="6858001"/>
-          </a:xfrm>
-          <a:prstGeom prst="rect">
-            <a:avLst/>
-          </a:prstGeom>
-          <a:solidFill>
-            <a:srgbClr val="000000"/>
-          </a:solidFill>
-          <a:ln>
-            <a:noFill/>
-          </a:ln>
-        </p:spPr>
-        <p:style>
-          <a:lnRef idx="2">
-            <a:schemeClr val="accent1">
-              <a:shade val="50000"/>
-            </a:schemeClr>
-          </a:lnRef>
-          <a:fillRef idx="1">
-            <a:schemeClr val="accent1"/>
-          </a:fillRef>
-          <a:effectRef idx="0">
-            <a:schemeClr val="accent1"/>
-          </a:effectRef>
-          <a:fontRef idx="minor">
-            <a:schemeClr val="lt1"/>
-          </a:fontRef>
-        </p:style>
-        <p:txBody>
-          <a:bodyPr rtlCol="0" anchor="ctr"/>
-          <a:lstStyle/>
-          <a:p>
-            <a:pPr algn="ctr"/>
-            <a:endParaRPr lang="en-US"/>
-          </a:p>
-        </p:txBody>
-      </p:sp>
-      <p:pic>
-        <p:nvPicPr>
-          <p:cNvPr id="4" name="Picture 3">
-            <a:extLst>
-              <a:ext uri="{FF2B5EF4-FFF2-40B4-BE49-F238E27FC236}">
-                <a16:creationId xmlns:a16="http://schemas.microsoft.com/office/drawing/2014/main" id="{6F4E5F83-9615-792A-555E-1342C7D07B24}"/>
-              </a:ext>
-            </a:extLst>
-          </p:cNvPr>
-          <p:cNvPicPr>
-            <a:picLocks noChangeAspect="1"/>
-          </p:cNvPicPr>
-          <p:nvPr/>
-        </p:nvPicPr>
-        <p:blipFill rotWithShape="1">
-          <a:blip r:embed="rId2">
-            <a:alphaModFix amt="40000"/>
-          </a:blip>
-          <a:srcRect l="1856" r="1281" b="1"/>
-          <a:stretch/>
-        </p:blipFill>
-        <p:spPr>
-          <a:xfrm>
-            <a:off x="20" y="10"/>
-            <a:ext cx="12188932" cy="6857990"/>
-          </a:xfrm>
-          <a:prstGeom prst="rect">
-            <a:avLst/>
-          </a:prstGeom>
-        </p:spPr>
-      </p:pic>
-      <p:sp>
-        <p:nvSpPr>
-          <p:cNvPr id="2" name="Title 1">
-            <a:extLst>
-              <a:ext uri="{FF2B5EF4-FFF2-40B4-BE49-F238E27FC236}">
-                <a16:creationId xmlns:a16="http://schemas.microsoft.com/office/drawing/2014/main" id="{CD2C7765-149B-C46C-AFC9-92D4AD7C74F2}"/>
-              </a:ext>
-            </a:extLst>
-          </p:cNvPr>
-          <p:cNvSpPr>
-            <a:spLocks noGrp="1"/>
-          </p:cNvSpPr>
-          <p:nvPr>
-            <p:ph type="ctrTitle"/>
-          </p:nvPr>
-        </p:nvSpPr>
-        <p:spPr>
-          <a:xfrm>
-            <a:off x="482600" y="732032"/>
-            <a:ext cx="6900839" cy="2736390"/>
-          </a:xfrm>
-        </p:spPr>
-        <p:txBody>
-          <a:bodyPr anchor="t">
-            <a:normAutofit/>
-          </a:bodyPr>
-          <a:lstStyle/>
-          <a:p>
-            <a:r>
-              <a:rPr lang="en-GB" sz="8000" dirty="0" err="1">
-                <a:solidFill>
-                  <a:srgbClr val="FFFFFF"/>
-                </a:solidFill>
-                <a:latin typeface="Abadi" panose="020B0604020104020204" pitchFamily="34" charset="0"/>
-              </a:rPr>
-              <a:t>Ingreedy</a:t>
-            </a:r>
-            <a:r>
-              <a:rPr lang="en-GB" sz="8000" dirty="0">
-                <a:solidFill>
-                  <a:srgbClr val="FFFFFF"/>
-                </a:solidFill>
-              </a:rPr>
-              <a:t> </a:t>
-            </a:r>
-          </a:p>
-        </p:txBody>
-      </p:sp>
-      <p:sp>
-        <p:nvSpPr>
-          <p:cNvPr id="3" name="Subtitle 2">
-            <a:extLst>
-              <a:ext uri="{FF2B5EF4-FFF2-40B4-BE49-F238E27FC236}">
-                <a16:creationId xmlns:a16="http://schemas.microsoft.com/office/drawing/2014/main" id="{E5372484-3E79-8711-9A51-5566B595C3CE}"/>
-              </a:ext>
-            </a:extLst>
-          </p:cNvPr>
-          <p:cNvSpPr>
-            <a:spLocks noGrp="1"/>
-          </p:cNvSpPr>
-          <p:nvPr>
-            <p:ph type="subTitle" idx="1"/>
-          </p:nvPr>
-        </p:nvSpPr>
-        <p:spPr>
-          <a:xfrm>
-            <a:off x="6596565" y="4201721"/>
-            <a:ext cx="4986084" cy="1949813"/>
-          </a:xfrm>
-        </p:spPr>
-        <p:txBody>
-          <a:bodyPr anchor="b">
-            <a:normAutofit/>
-          </a:bodyPr>
-          <a:lstStyle/>
-          <a:p>
-            <a:pPr algn="r"/>
-            <a:r>
-              <a:rPr lang="en-GB" dirty="0">
-                <a:solidFill>
-                  <a:srgbClr val="FFFFFF"/>
-                </a:solidFill>
-              </a:rPr>
-              <a:t>The ordinary persons sue chef to making use of left over ingredients</a:t>
-            </a:r>
-          </a:p>
-        </p:txBody>
-      </p:sp>
-      <p:cxnSp>
-        <p:nvCxnSpPr>
-          <p:cNvPr id="13" name="Straight Connector 12">
-            <a:extLst>
-              <a:ext uri="{FF2B5EF4-FFF2-40B4-BE49-F238E27FC236}">
-                <a16:creationId xmlns:a16="http://schemas.microsoft.com/office/drawing/2014/main" id="{906D5854-CB89-39E9-F0A1-D03AD1F3BB5D}"/>
-              </a:ext>
-              <a:ext uri="{C183D7F6-B498-43B3-948B-1728B52AA6E4}">
-                <adec:decorative xmlns:adec="http://schemas.microsoft.com/office/drawing/2017/decorative" val="1"/>
-              </a:ext>
-            </a:extLst>
-          </p:cNvPr>
-          <p:cNvCxnSpPr>
-            <a:cxnSpLocks noGrp="1" noRot="1" noChangeAspect="1" noMove="1" noResize="1" noEditPoints="1" noAdjustHandles="1" noChangeArrowheads="1" noChangeShapeType="1"/>
-          </p:cNvCxnSpPr>
-          <p:nvPr>
-            <p:extLst>
-              <p:ext uri="{386F3935-93C4-4BCD-93E2-E3B085C9AB24}">
-                <p16:designElem xmlns:p16="http://schemas.microsoft.com/office/powerpoint/2015/main" val="1"/>
-              </p:ext>
-            </p:extLst>
-          </p:nvPr>
-        </p:nvCxnSpPr>
-        <p:spPr>
-          <a:xfrm>
-            <a:off x="482600" y="489855"/>
-            <a:ext cx="11147071" cy="0"/>
-          </a:xfrm>
-          <a:prstGeom prst="line">
-            <a:avLst/>
-          </a:prstGeom>
-          <a:ln w="28575">
-            <a:solidFill>
-              <a:srgbClr val="FFFFFF"/>
-            </a:solidFill>
-          </a:ln>
-        </p:spPr>
-        <p:style>
-          <a:lnRef idx="1">
-            <a:schemeClr val="dk1"/>
-          </a:lnRef>
-          <a:fillRef idx="0">
-            <a:schemeClr val="dk1"/>
-          </a:fillRef>
-          <a:effectRef idx="0">
-            <a:schemeClr val="dk1"/>
-          </a:effectRef>
-          <a:fontRef idx="minor">
-            <a:schemeClr val="tx1"/>
-          </a:fontRef>
-        </p:style>
-      </p:cxnSp>
-      <p:cxnSp>
-        <p:nvCxnSpPr>
-          <p:cNvPr id="15" name="Straight Connector 14">
-            <a:extLst>
-              <a:ext uri="{FF2B5EF4-FFF2-40B4-BE49-F238E27FC236}">
-                <a16:creationId xmlns:a16="http://schemas.microsoft.com/office/drawing/2014/main" id="{94B4AE6F-2F7F-114C-9380-22CB71B819B2}"/>
-              </a:ext>
-              <a:ext uri="{C183D7F6-B498-43B3-948B-1728B52AA6E4}">
-                <adec:decorative xmlns:adec="http://schemas.microsoft.com/office/drawing/2017/decorative" val="1"/>
-              </a:ext>
-            </a:extLst>
-          </p:cNvPr>
-          <p:cNvCxnSpPr>
-            <a:cxnSpLocks noGrp="1" noRot="1" noChangeAspect="1" noMove="1" noResize="1" noEditPoints="1" noAdjustHandles="1" noChangeArrowheads="1" noChangeShapeType="1"/>
-          </p:cNvCxnSpPr>
-          <p:nvPr>
-            <p:extLst>
-              <p:ext uri="{386F3935-93C4-4BCD-93E2-E3B085C9AB24}">
-                <p16:designElem xmlns:p16="http://schemas.microsoft.com/office/powerpoint/2015/main" val="1"/>
-              </p:ext>
-            </p:extLst>
-          </p:nvPr>
-        </p:nvCxnSpPr>
-        <p:spPr>
-          <a:xfrm>
-            <a:off x="482600" y="6368138"/>
-            <a:ext cx="11147071" cy="0"/>
-          </a:xfrm>
-          <a:prstGeom prst="line">
-            <a:avLst/>
-          </a:prstGeom>
-          <a:ln w="28575">
-            <a:solidFill>
-              <a:srgbClr val="FFFFFF"/>
-            </a:solidFill>
-          </a:ln>
-        </p:spPr>
-        <p:style>
-          <a:lnRef idx="1">
-            <a:schemeClr val="dk1"/>
-          </a:lnRef>
-          <a:fillRef idx="0">
-            <a:schemeClr val="dk1"/>
-          </a:fillRef>
-          <a:effectRef idx="0">
-            <a:schemeClr val="dk1"/>
-          </a:effectRef>
-          <a:fontRef idx="minor">
-            <a:schemeClr val="tx1"/>
-          </a:fontRef>
-        </p:style>
-      </p:cxnSp>
-    </p:spTree>
-    <p:extLst>
-      <p:ext uri="{BB962C8B-B14F-4D97-AF65-F5344CB8AC3E}">
-        <p14:creationId xmlns:p14="http://schemas.microsoft.com/office/powerpoint/2010/main" val="3979647535"/>
       </p:ext>
     </p:extLst>
   </p:cSld>
